--- a/module9/9-slides.pptx
+++ b/module9/9-slides.pptx
@@ -2585,6 +2585,10 @@
             </a:endParaRPr>
           </a:p>
           <a:p>
+            <a:r>
+              <a:rPr lang="en-US" dirty="0"/>
+              <a:t/>
+            </a:r>
             <a:br>
               <a:rPr lang="en-US" dirty="0"/>
             </a:br>
@@ -7233,7 +7237,7 @@
           <a:p>
             <a:fld id="{1160EA64-D806-43AC-9DF2-F8C432F32B4C}" type="datetimeFigureOut">
               <a:rPr lang="en-US" smtClean="0"/>
-              <a:t>12/3/22</a:t>
+              <a:t>4/24/2023</a:t>
             </a:fld>
             <a:endParaRPr lang="en-US" dirty="0"/>
           </a:p>
@@ -7412,7 +7416,7 @@
           <a:p>
             <a:fld id="{E9F9C37B-1D36-470B-8223-D6C91242EC14}" type="datetimeFigureOut">
               <a:rPr lang="en-US" smtClean="0"/>
-              <a:t>12/3/22</a:t>
+              <a:t>4/24/2023</a:t>
             </a:fld>
             <a:endParaRPr lang="en-US" dirty="0"/>
           </a:p>
@@ -7593,7 +7597,7 @@
           <a:p>
             <a:fld id="{67C6F52A-A82B-47A2-A83A-8C4C91F2D59F}" type="datetimeFigureOut">
               <a:rPr lang="en-US" smtClean="0"/>
-              <a:t>12/3/22</a:t>
+              <a:t>4/24/2023</a:t>
             </a:fld>
             <a:endParaRPr lang="en-US" dirty="0"/>
           </a:p>
@@ -8005,7 +8009,7 @@
           <a:p>
             <a:fld id="{1D8BD707-D9CF-40AE-B4C6-C98DA3205C09}" type="datetimeFigureOut">
               <a:rPr lang="en-US"/>
-              <a:t>12/3/22</a:t>
+              <a:t>4/24/2023</a:t>
             </a:fld>
             <a:endParaRPr lang="en-US"/>
           </a:p>
@@ -8338,7 +8342,7 @@
           <a:p>
             <a:fld id="{1D8BD707-D9CF-40AE-B4C6-C98DA3205C09}" type="datetimeFigureOut">
               <a:rPr lang="en-US"/>
-              <a:t>12/3/22</a:t>
+              <a:t>4/24/2023</a:t>
             </a:fld>
             <a:endParaRPr lang="en-US"/>
           </a:p>
@@ -8498,7 +8502,7 @@
           <a:p>
             <a:fld id="{F070A7B3-6521-4DCA-87E5-044747A908C1}" type="datetimeFigureOut">
               <a:rPr lang="en-US" smtClean="0"/>
-              <a:t>12/3/22</a:t>
+              <a:t>4/24/2023</a:t>
             </a:fld>
             <a:endParaRPr lang="en-US" dirty="0"/>
           </a:p>
@@ -8821,7 +8825,7 @@
           <a:p>
             <a:fld id="{1160EA64-D806-43AC-9DF2-F8C432F32B4C}" type="datetimeFigureOut">
               <a:rPr lang="en-US" smtClean="0"/>
-              <a:t>12/3/22</a:t>
+              <a:t>4/24/2023</a:t>
             </a:fld>
             <a:endParaRPr lang="en-US" dirty="0"/>
           </a:p>
@@ -9283,7 +9287,7 @@
           <a:p>
             <a:fld id="{AB134690-1557-4C89-A502-4959FE7FAD70}" type="datetimeFigureOut">
               <a:rPr lang="en-US" smtClean="0"/>
-              <a:t>12/3/22</a:t>
+              <a:t>4/24/2023</a:t>
             </a:fld>
             <a:endParaRPr lang="en-US" dirty="0"/>
           </a:p>
@@ -9695,7 +9699,7 @@
           <a:p>
             <a:fld id="{1160EA64-D806-43AC-9DF2-F8C432F32B4C}" type="datetimeFigureOut">
               <a:rPr lang="en-US" smtClean="0"/>
-              <a:t>12/3/22</a:t>
+              <a:t>4/24/2023</a:t>
             </a:fld>
             <a:endParaRPr lang="en-US" dirty="0"/>
           </a:p>
@@ -9815,7 +9819,7 @@
           <a:p>
             <a:fld id="{E1037C31-9E7A-4F99-8774-A0E530DE1A42}" type="datetimeFigureOut">
               <a:rPr lang="en-US" smtClean="0"/>
-              <a:t>12/3/22</a:t>
+              <a:t>4/24/2023</a:t>
             </a:fld>
             <a:endParaRPr lang="en-US" dirty="0"/>
           </a:p>
@@ -9933,7 +9937,7 @@
           <a:p>
             <a:fld id="{C278504F-A551-4DE0-9316-4DCD1D8CC752}" type="datetimeFigureOut">
               <a:rPr lang="en-US" smtClean="0"/>
-              <a:t>12/3/22</a:t>
+              <a:t>4/24/2023</a:t>
             </a:fld>
             <a:endParaRPr lang="en-US" dirty="0"/>
           </a:p>
@@ -10292,7 +10296,7 @@
           <a:p>
             <a:fld id="{D1BE4249-C0D0-4B06-8692-E8BB871AF643}" type="datetimeFigureOut">
               <a:rPr lang="en-US" smtClean="0"/>
-              <a:t>12/3/22</a:t>
+              <a:t>4/24/2023</a:t>
             </a:fld>
             <a:endParaRPr lang="en-US" dirty="0"/>
           </a:p>
@@ -10800,7 +10804,7 @@
           <a:p>
             <a:fld id="{042B0DB6-F5C7-45FB-8CF3-31B45F9C2DAC}" type="datetimeFigureOut">
               <a:rPr lang="en-US" smtClean="0"/>
-              <a:t>12/3/22</a:t>
+              <a:t>4/24/2023</a:t>
             </a:fld>
             <a:endParaRPr lang="en-US" dirty="0"/>
           </a:p>
@@ -11156,7 +11160,7 @@
           <a:p>
             <a:fld id="{1160EA64-D806-43AC-9DF2-F8C432F32B4C}" type="datetimeFigureOut">
               <a:rPr lang="en-US" smtClean="0"/>
-              <a:t>12/3/22</a:t>
+              <a:t>4/24/2023</a:t>
             </a:fld>
             <a:endParaRPr lang="en-US" dirty="0"/>
           </a:p>
@@ -25068,7 +25072,7 @@
 </file>
 
 <file path=ppt/slides/slide35.xml><?xml version="1.0" encoding="utf-8"?>
-<p:sld xmlns:a="http://schemas.openxmlformats.org/drawingml/2006/main" xmlns:r="http://schemas.openxmlformats.org/officeDocument/2006/relationships" xmlns:p="http://schemas.openxmlformats.org/presentationml/2006/main">
+<p:sld xmlns:a="http://schemas.openxmlformats.org/drawingml/2006/main" xmlns:r="http://schemas.openxmlformats.org/officeDocument/2006/relationships" xmlns:p="http://schemas.openxmlformats.org/presentationml/2006/main" show="0">
   <p:cSld>
     <p:spTree>
       <p:nvGrpSpPr>
@@ -26281,6 +26285,14 @@
   <p:clrMapOvr>
     <a:masterClrMapping/>
   </p:clrMapOvr>
+  <mc:AlternateContent xmlns:mc="http://schemas.openxmlformats.org/markup-compatibility/2006">
+    <mc:Choice xmlns:p14="http://schemas.microsoft.com/office/powerpoint/2010/main" Requires="p14">
+      <p:transition spd="slow" p14:dur="2000"/>
+    </mc:Choice>
+    <mc:Fallback>
+      <p:transition spd="slow"/>
+    </mc:Fallback>
+  </mc:AlternateContent>
 </p:sld>
 </file>
 
@@ -49149,13 +49161,19 @@
               <a:t> </a:t>
             </a:r>
             <a:r>
-              <a:rPr lang="en-US" sz="2400" spc="-5" dirty="0">
+              <a:rPr lang="en-US" sz="2400" spc="-15" dirty="0" smtClean="0">
+                <a:cs typeface="Arial MT"/>
+              </a:rPr>
+              <a:t>a </a:t>
+            </a:r>
+            <a:r>
+              <a:rPr lang="en-US" sz="2400" spc="-5" dirty="0" smtClean="0">
                 <a:cs typeface="Arial MT"/>
               </a:rPr>
               <a:t>perfect</a:t>
             </a:r>
             <a:r>
-              <a:rPr lang="en-US" sz="2400" spc="-15" dirty="0">
+              <a:rPr lang="en-US" sz="2400" spc="-15" dirty="0" smtClean="0">
                 <a:cs typeface="Arial MT"/>
               </a:rPr>
               <a:t> </a:t>
@@ -49285,13 +49303,19 @@
               <a:t> </a:t>
             </a:r>
             <a:r>
-              <a:rPr lang="en-US" sz="2400" spc="-5" dirty="0">
+              <a:rPr lang="en-US" sz="2400" spc="-15" dirty="0" smtClean="0">
+                <a:cs typeface="Arial MT"/>
+              </a:rPr>
+              <a:t>a </a:t>
+            </a:r>
+            <a:r>
+              <a:rPr lang="en-US" sz="2400" spc="-5" dirty="0" smtClean="0">
                 <a:cs typeface="Arial MT"/>
               </a:rPr>
               <a:t>perfect</a:t>
             </a:r>
             <a:r>
-              <a:rPr lang="en-US" sz="2400" spc="-10" dirty="0">
+              <a:rPr lang="en-US" sz="2400" spc="-10" dirty="0" smtClean="0">
                 <a:cs typeface="Arial MT"/>
               </a:rPr>
               <a:t> </a:t>
@@ -53837,41 +53861,6 @@
           </a:p>
         </p:txBody>
       </p:sp>
-      <p:sp>
-        <p:nvSpPr>
-          <p:cNvPr id="7" name="TextBox 6">
-            <a:extLst>
-              <a:ext uri="{FF2B5EF4-FFF2-40B4-BE49-F238E27FC236}">
-                <a16:creationId xmlns:a16="http://schemas.microsoft.com/office/drawing/2014/main" id="{73545470-871E-D8B9-A24F-225C08882B2F}"/>
-              </a:ext>
-            </a:extLst>
-          </p:cNvPr>
-          <p:cNvSpPr txBox="1"/>
-          <p:nvPr/>
-        </p:nvSpPr>
-        <p:spPr>
-          <a:xfrm>
-            <a:off x="3289738" y="4498428"/>
-            <a:ext cx="992579" cy="369332"/>
-          </a:xfrm>
-          <a:prstGeom prst="rect">
-            <a:avLst/>
-          </a:prstGeom>
-          <a:noFill/>
-        </p:spPr>
-        <p:txBody>
-          <a:bodyPr wrap="none" rtlCol="0">
-            <a:spAutoFit/>
-          </a:bodyPr>
-          <a:lstStyle/>
-          <a:p>
-            <a:r>
-              <a:rPr lang="en-US" dirty="0"/>
-              <a:t>Demo()</a:t>
-            </a:r>
-          </a:p>
-        </p:txBody>
-      </p:sp>
     </p:spTree>
   </p:cSld>
   <p:clrMapOvr>
@@ -54120,7 +54109,19 @@
               <a:rPr lang="en-US" sz="2000" b="0" i="0" dirty="0">
                 <a:effectLst/>
               </a:rPr>
-              <a:t>Algebraically, this is because the product of standard units does not depend on which variable is called x and which y.</a:t>
+              <a:t>Algebraically, this is because the product of standard units does not depend on which variable is called x and which </a:t>
+            </a:r>
+            <a:r>
+              <a:rPr lang="en-US" sz="2000" b="0" i="0" dirty="0" smtClean="0">
+                <a:effectLst/>
+              </a:rPr>
+              <a:t>is y</a:t>
+            </a:r>
+            <a:r>
+              <a:rPr lang="en-US" sz="2000" b="0" i="0" dirty="0">
+                <a:effectLst/>
+              </a:rPr>
+              <a:t>.</a:t>
             </a:r>
           </a:p>
           <a:p>

--- a/module9/9-slides.pptx
+++ b/module9/9-slides.pptx
@@ -3436,7 +3436,23 @@
           <a:p>
             <a:r>
               <a:rPr lang="en-US" dirty="0"/>
-              <a:t>Now, let’s look at how to numerically do so. While we will not proof mathematically these properties, we will compute them in our datasets to convince ourselves that they are true</a:t>
+              <a:t>Now, let’s look at how to numerically do so. While we will not </a:t>
+            </a:r>
+            <a:r>
+              <a:rPr lang="en-US" dirty="0" smtClean="0"/>
+              <a:t>pro</a:t>
+            </a:r>
+            <a:r>
+              <a:rPr lang="en-US" altLang="zh-CN" dirty="0" smtClean="0"/>
+              <a:t>ve</a:t>
+            </a:r>
+            <a:r>
+              <a:rPr lang="en-US" dirty="0" smtClean="0"/>
+              <a:t> </a:t>
+            </a:r>
+            <a:r>
+              <a:rPr lang="en-US" dirty="0"/>
+              <a:t>mathematically these properties, we will compute them in our datasets to convince ourselves that they are true</a:t>
             </a:r>
           </a:p>
         </p:txBody>
@@ -3801,28 +3817,6 @@
         <p:txBody>
           <a:bodyPr/>
           <a:lstStyle/>
-          <a:p>
-            <a:r>
-              <a:rPr lang="en-US" dirty="0"/>
-              <a:t>Second </a:t>
-            </a:r>
-            <a:r>
-              <a:rPr lang="en-US" dirty="0" err="1"/>
-              <a:t>eqn</a:t>
-            </a:r>
-            <a:r>
-              <a:rPr lang="en-US" dirty="0"/>
-              <a:t> derived from the </a:t>
-            </a:r>
-            <a:r>
-              <a:rPr lang="en-US" dirty="0" err="1"/>
-              <a:t>eqn</a:t>
-            </a:r>
-            <a:r>
-              <a:rPr lang="en-US" dirty="0"/>
-              <a:t> in slide 55.</a:t>
-            </a:r>
-          </a:p>
           <a:p>
             <a:endParaRPr lang="en-US" dirty="0"/>
           </a:p>
@@ -11896,6 +11890,13 @@
   <p:clrMapOvr>
     <a:masterClrMapping/>
   </p:clrMapOvr>
+  <p:timing>
+    <p:tnLst>
+      <p:par>
+        <p:cTn id="1" dur="indefinite" restart="never" nodeType="tmRoot"/>
+      </p:par>
+    </p:tnLst>
+  </p:timing>
 </p:sld>
 </file>
 
@@ -13255,6 +13256,13 @@
   <p:clrMapOvr>
     <a:masterClrMapping/>
   </p:clrMapOvr>
+  <p:timing>
+    <p:tnLst>
+      <p:par>
+        <p:cTn id="1" dur="indefinite" restart="never" nodeType="tmRoot"/>
+      </p:par>
+    </p:tnLst>
+  </p:timing>
 </p:sld>
 </file>
 
@@ -14184,6 +14192,13 @@
   <p:clrMapOvr>
     <a:masterClrMapping/>
   </p:clrMapOvr>
+  <p:timing>
+    <p:tnLst>
+      <p:par>
+        <p:cTn id="1" dur="indefinite" restart="never" nodeType="tmRoot"/>
+      </p:par>
+    </p:tnLst>
+  </p:timing>
 </p:sld>
 </file>
 
@@ -14445,6 +14460,13 @@
   <p:clrMapOvr>
     <a:masterClrMapping/>
   </p:clrMapOvr>
+  <p:timing>
+    <p:tnLst>
+      <p:par>
+        <p:cTn id="1" dur="indefinite" restart="never" nodeType="tmRoot"/>
+      </p:par>
+    </p:tnLst>
+  </p:timing>
 </p:sld>
 </file>
 
@@ -16089,6 +16111,13 @@
   <p:clrMapOvr>
     <a:masterClrMapping/>
   </p:clrMapOvr>
+  <p:timing>
+    <p:tnLst>
+      <p:par>
+        <p:cTn id="1" dur="indefinite" restart="never" nodeType="tmRoot"/>
+      </p:par>
+    </p:tnLst>
+  </p:timing>
 </p:sld>
 </file>
 
@@ -22672,6 +22701,13 @@
   <p:clrMapOvr>
     <a:masterClrMapping/>
   </p:clrMapOvr>
+  <p:timing>
+    <p:tnLst>
+      <p:par>
+        <p:cTn id="1" dur="indefinite" restart="never" nodeType="tmRoot"/>
+      </p:par>
+    </p:tnLst>
+  </p:timing>
 </p:sld>
 </file>
 
@@ -23592,6 +23628,13 @@
   <p:clrMapOvr>
     <a:masterClrMapping/>
   </p:clrMapOvr>
+  <p:timing>
+    <p:tnLst>
+      <p:par>
+        <p:cTn id="1" dur="indefinite" restart="never" nodeType="tmRoot"/>
+      </p:par>
+    </p:tnLst>
+  </p:timing>
 </p:sld>
 </file>
 
@@ -23735,6 +23778,13 @@
   <p:clrMapOvr>
     <a:masterClrMapping/>
   </p:clrMapOvr>
+  <p:timing>
+    <p:tnLst>
+      <p:par>
+        <p:cTn id="1" dur="indefinite" restart="never" nodeType="tmRoot"/>
+      </p:par>
+    </p:tnLst>
+  </p:timing>
 </p:sld>
 </file>
 
@@ -23814,6 +23864,13 @@
   <p:clrMapOvr>
     <a:masterClrMapping/>
   </p:clrMapOvr>
+  <p:timing>
+    <p:tnLst>
+      <p:par>
+        <p:cTn id="1" dur="indefinite" restart="never" nodeType="tmRoot"/>
+      </p:par>
+    </p:tnLst>
+  </p:timing>
 </p:sld>
 </file>
 
@@ -25068,6 +25125,13 @@
   <p:clrMapOvr>
     <a:masterClrMapping/>
   </p:clrMapOvr>
+  <p:timing>
+    <p:tnLst>
+      <p:par>
+        <p:cTn id="1" dur="indefinite" restart="never" nodeType="tmRoot"/>
+      </p:par>
+    </p:tnLst>
+  </p:timing>
 </p:sld>
 </file>
 
@@ -26285,14 +26349,21 @@
   <p:clrMapOvr>
     <a:masterClrMapping/>
   </p:clrMapOvr>
-  <mc:AlternateContent xmlns:mc="http://schemas.openxmlformats.org/markup-compatibility/2006">
-    <mc:Choice xmlns:p14="http://schemas.microsoft.com/office/powerpoint/2010/main" Requires="p14">
+  <mc:AlternateContent xmlns:mc="http://schemas.openxmlformats.org/markup-compatibility/2006" xmlns:p14="http://schemas.microsoft.com/office/powerpoint/2010/main">
+    <mc:Choice Requires="p14">
       <p:transition spd="slow" p14:dur="2000"/>
     </mc:Choice>
-    <mc:Fallback>
+    <mc:Fallback xmlns="">
       <p:transition spd="slow"/>
     </mc:Fallback>
   </mc:AlternateContent>
+  <p:timing>
+    <p:tnLst>
+      <p:par>
+        <p:cTn id="1" dur="indefinite" restart="never" nodeType="tmRoot"/>
+      </p:par>
+    </p:tnLst>
+  </p:timing>
 </p:sld>
 </file>
 
@@ -27445,6 +27516,13 @@
   <p:clrMapOvr>
     <a:masterClrMapping/>
   </p:clrMapOvr>
+  <p:timing>
+    <p:tnLst>
+      <p:par>
+        <p:cTn id="1" dur="indefinite" restart="never" nodeType="tmRoot"/>
+      </p:par>
+    </p:tnLst>
+  </p:timing>
 </p:sld>
 </file>
 
@@ -27519,6 +27597,13 @@
   <p:clrMapOvr>
     <a:masterClrMapping/>
   </p:clrMapOvr>
+  <p:timing>
+    <p:tnLst>
+      <p:par>
+        <p:cTn id="1" dur="indefinite" restart="never" nodeType="tmRoot"/>
+      </p:par>
+    </p:tnLst>
+  </p:timing>
 </p:sld>
 </file>
 
@@ -28185,6 +28270,13 @@
   <p:clrMapOvr>
     <a:masterClrMapping/>
   </p:clrMapOvr>
+  <p:timing>
+    <p:tnLst>
+      <p:par>
+        <p:cTn id="1" dur="indefinite" restart="never" nodeType="tmRoot"/>
+      </p:par>
+    </p:tnLst>
+  </p:timing>
 </p:sld>
 </file>
 
@@ -29097,6 +29189,13 @@
   <p:clrMapOvr>
     <a:masterClrMapping/>
   </p:clrMapOvr>
+  <p:timing>
+    <p:tnLst>
+      <p:par>
+        <p:cTn id="1" dur="indefinite" restart="never" nodeType="tmRoot"/>
+      </p:par>
+    </p:tnLst>
+  </p:timing>
 </p:sld>
 </file>
 
@@ -29168,6 +29267,13 @@
   <p:clrMapOvr>
     <a:masterClrMapping/>
   </p:clrMapOvr>
+  <p:timing>
+    <p:tnLst>
+      <p:par>
+        <p:cTn id="1" dur="indefinite" restart="never" nodeType="tmRoot"/>
+      </p:par>
+    </p:tnLst>
+  </p:timing>
 </p:sld>
 </file>
 
@@ -29716,6 +29822,13 @@
   <p:clrMapOvr>
     <a:masterClrMapping/>
   </p:clrMapOvr>
+  <p:timing>
+    <p:tnLst>
+      <p:par>
+        <p:cTn id="1" dur="indefinite" restart="never" nodeType="tmRoot"/>
+      </p:par>
+    </p:tnLst>
+  </p:timing>
 </p:sld>
 </file>
 
@@ -30684,6 +30797,13 @@
   <p:clrMapOvr>
     <a:masterClrMapping/>
   </p:clrMapOvr>
+  <p:timing>
+    <p:tnLst>
+      <p:par>
+        <p:cTn id="1" dur="indefinite" restart="never" nodeType="tmRoot"/>
+      </p:par>
+    </p:tnLst>
+  </p:timing>
 </p:sld>
 </file>
 
@@ -30771,11 +30891,18 @@
   <p:clrMapOvr>
     <a:masterClrMapping/>
   </p:clrMapOvr>
+  <p:timing>
+    <p:tnLst>
+      <p:par>
+        <p:cTn id="1" dur="indefinite" restart="never" nodeType="tmRoot"/>
+      </p:par>
+    </p:tnLst>
+  </p:timing>
 </p:sld>
 </file>
 
 <file path=ppt/slides/slide43.xml><?xml version="1.0" encoding="utf-8"?>
-<p:sld xmlns:a="http://schemas.openxmlformats.org/drawingml/2006/main" xmlns:r="http://schemas.openxmlformats.org/officeDocument/2006/relationships" xmlns:p="http://schemas.openxmlformats.org/presentationml/2006/main">
+<p:sld xmlns:a="http://schemas.openxmlformats.org/drawingml/2006/main" xmlns:r="http://schemas.openxmlformats.org/officeDocument/2006/relationships" xmlns:p="http://schemas.openxmlformats.org/presentationml/2006/main" show="0">
   <p:cSld>
     <p:spTree>
       <p:nvGrpSpPr>
@@ -30914,6 +31041,21 @@
   <p:clrMapOvr>
     <a:masterClrMapping/>
   </p:clrMapOvr>
+  <mc:AlternateContent xmlns:mc="http://schemas.openxmlformats.org/markup-compatibility/2006">
+    <mc:Choice xmlns:p14="http://schemas.microsoft.com/office/powerpoint/2010/main" Requires="p14">
+      <p:transition spd="slow" p14:dur="2000"/>
+    </mc:Choice>
+    <mc:Fallback>
+      <p:transition spd="slow"/>
+    </mc:Fallback>
+  </mc:AlternateContent>
+  <p:timing>
+    <p:tnLst>
+      <p:par>
+        <p:cTn id="1" dur="indefinite" restart="never" nodeType="tmRoot"/>
+      </p:par>
+    </p:tnLst>
+  </p:timing>
 </p:sld>
 </file>
 
@@ -30986,8 +31128,8 @@
         </p:nvSpPr>
         <p:spPr>
           <a:xfrm>
-            <a:off x="393749" y="904280"/>
-            <a:ext cx="8569276" cy="4057521"/>
+            <a:off x="393749" y="739574"/>
+            <a:ext cx="8569276" cy="4478149"/>
           </a:xfrm>
           <a:prstGeom prst="rect">
             <a:avLst/>
@@ -31521,6 +31663,9 @@
             </a:r>
             <a:r>
               <a:rPr sz="2400" dirty="0">
+                <a:solidFill>
+                  <a:srgbClr val="FF0000"/>
+                </a:solidFill>
                 <a:cs typeface="Arial MT"/>
               </a:rPr>
               <a:t>vertical</a:t>
@@ -31616,11 +31761,24 @@
               <a:t> </a:t>
             </a:r>
             <a:r>
-              <a:rPr sz="2400" spc="-5" dirty="0">
+              <a:rPr sz="2400" spc="-5" dirty="0" smtClean="0">
                 <a:cs typeface="Arial MT"/>
               </a:rPr>
               <a:t>line</a:t>
             </a:r>
+            <a:endParaRPr lang="en-US" sz="2400" spc="-5" dirty="0" smtClean="0">
+              <a:cs typeface="Arial MT"/>
+            </a:endParaRPr>
+          </a:p>
+          <a:p>
+            <a:pPr marL="474345">
+              <a:lnSpc>
+                <a:spcPct val="100000"/>
+              </a:lnSpc>
+              <a:spcBef>
+                <a:spcPts val="420"/>
+              </a:spcBef>
+            </a:pPr>
             <a:endParaRPr lang="en-US" sz="2400" spc="-5" dirty="0">
               <a:cs typeface="Arial MT"/>
             </a:endParaRPr>
@@ -31701,25 +31859,13 @@
               <a:t> </a:t>
             </a:r>
             <a:r>
-              <a:rPr lang="en-US" sz="2400" b="1" dirty="0">
+              <a:rPr lang="en-US" sz="2400" b="1" dirty="0" smtClean="0">
                 <a:cs typeface="Arial"/>
               </a:rPr>
-              <a:t>y</a:t>
-            </a:r>
-            <a:r>
-              <a:rPr lang="en-US" sz="2400" b="1" spc="-20" dirty="0">
-                <a:cs typeface="Arial"/>
-              </a:rPr>
-              <a:t> </a:t>
-            </a:r>
-            <a:r>
-              <a:rPr lang="en-US" sz="2400" b="1" dirty="0">
-                <a:cs typeface="Arial"/>
-              </a:rPr>
               <a:t>=</a:t>
             </a:r>
             <a:r>
-              <a:rPr lang="en-US" sz="2400" b="1" spc="-25" dirty="0">
+              <a:rPr lang="en-US" sz="2400" b="1" spc="-25" dirty="0" smtClean="0">
                 <a:cs typeface="Arial"/>
               </a:rPr>
               <a:t> </a:t>
@@ -31817,6 +31963,13 @@
   <p:clrMapOvr>
     <a:masterClrMapping/>
   </p:clrMapOvr>
+  <p:timing>
+    <p:tnLst>
+      <p:par>
+        <p:cTn id="1" dur="indefinite" restart="never" nodeType="tmRoot"/>
+      </p:par>
+    </p:tnLst>
+  </p:timing>
 </p:sld>
 </file>
 
@@ -31891,6 +32044,13 @@
   <p:clrMapOvr>
     <a:masterClrMapping/>
   </p:clrMapOvr>
+  <p:timing>
+    <p:tnLst>
+      <p:par>
+        <p:cTn id="1" dur="indefinite" restart="never" nodeType="tmRoot"/>
+      </p:par>
+    </p:tnLst>
+  </p:timing>
 </p:sld>
 </file>
 
@@ -32107,6 +32267,13 @@
   <p:clrMapOvr>
     <a:masterClrMapping/>
   </p:clrMapOvr>
+  <p:timing>
+    <p:tnLst>
+      <p:par>
+        <p:cTn id="1" dur="indefinite" restart="never" nodeType="tmRoot"/>
+      </p:par>
+    </p:tnLst>
+  </p:timing>
 </p:sld>
 </file>
 
@@ -32752,6 +32919,13 @@
   <p:clrMapOvr>
     <a:masterClrMapping/>
   </p:clrMapOvr>
+  <p:timing>
+    <p:tnLst>
+      <p:par>
+        <p:cTn id="1" dur="indefinite" restart="never" nodeType="tmRoot"/>
+      </p:par>
+    </p:tnLst>
+  </p:timing>
 </p:sld>
 </file>
 
@@ -33705,6 +33879,13 @@
   <p:clrMapOvr>
     <a:masterClrMapping/>
   </p:clrMapOvr>
+  <p:timing>
+    <p:tnLst>
+      <p:par>
+        <p:cTn id="1" dur="indefinite" restart="never" nodeType="tmRoot"/>
+      </p:par>
+    </p:tnLst>
+  </p:timing>
 </p:sld>
 </file>
 
@@ -34252,6 +34433,13 @@
   <p:clrMapOvr>
     <a:masterClrMapping/>
   </p:clrMapOvr>
+  <p:timing>
+    <p:tnLst>
+      <p:par>
+        <p:cTn id="1" dur="indefinite" restart="never" nodeType="tmRoot"/>
+      </p:par>
+    </p:tnLst>
+  </p:timing>
 </p:sld>
 </file>
 
@@ -34740,6 +34928,13 @@
   <p:clrMapOvr>
     <a:masterClrMapping/>
   </p:clrMapOvr>
+  <p:timing>
+    <p:tnLst>
+      <p:par>
+        <p:cTn id="1" dur="indefinite" restart="never" nodeType="tmRoot"/>
+      </p:par>
+    </p:tnLst>
+  </p:timing>
 </p:sld>
 </file>
 
@@ -34830,6 +35025,13 @@
   <p:clrMapOvr>
     <a:masterClrMapping/>
   </p:clrMapOvr>
+  <p:timing>
+    <p:tnLst>
+      <p:par>
+        <p:cTn id="1" dur="indefinite" restart="never" nodeType="tmRoot"/>
+      </p:par>
+    </p:tnLst>
+  </p:timing>
 </p:sld>
 </file>
 
@@ -35270,6 +35472,13 @@
   <p:clrMapOvr>
     <a:masterClrMapping/>
   </p:clrMapOvr>
+  <p:timing>
+    <p:tnLst>
+      <p:par>
+        <p:cTn id="1" dur="indefinite" restart="never" nodeType="tmRoot"/>
+      </p:par>
+    </p:tnLst>
+  </p:timing>
 </p:sld>
 </file>
 
@@ -35722,6 +35931,13 @@
   <p:clrMapOvr>
     <a:masterClrMapping/>
   </p:clrMapOvr>
+  <p:timing>
+    <p:tnLst>
+      <p:par>
+        <p:cTn id="1" dur="indefinite" restart="never" nodeType="tmRoot"/>
+      </p:par>
+    </p:tnLst>
+  </p:timing>
 </p:sld>
 </file>
 
@@ -36287,6 +36503,13 @@
   <p:clrMapOvr>
     <a:masterClrMapping/>
   </p:clrMapOvr>
+  <p:timing>
+    <p:tnLst>
+      <p:par>
+        <p:cTn id="1" dur="indefinite" restart="never" nodeType="tmRoot"/>
+      </p:par>
+    </p:tnLst>
+  </p:timing>
 </p:sld>
 </file>
 
@@ -37121,6 +37344,13 @@
   <p:clrMapOvr>
     <a:masterClrMapping/>
   </p:clrMapOvr>
+  <p:timing>
+    <p:tnLst>
+      <p:par>
+        <p:cTn id="1" dur="indefinite" restart="never" nodeType="tmRoot"/>
+      </p:par>
+    </p:tnLst>
+  </p:timing>
 </p:sld>
 </file>
 
@@ -37769,6 +37999,13 @@
   <p:clrMapOvr>
     <a:masterClrMapping/>
   </p:clrMapOvr>
+  <p:timing>
+    <p:tnLst>
+      <p:par>
+        <p:cTn id="1" dur="indefinite" restart="never" nodeType="tmRoot"/>
+      </p:par>
+    </p:tnLst>
+  </p:timing>
 </p:sld>
 </file>
 
@@ -38299,21 +38536,27 @@
               <a:t>) </a:t>
             </a:r>
             <a:r>
+              <a:rPr lang="en-US" sz="2200" spc="-5" dirty="0" smtClean="0">
+                <a:cs typeface="Arial MT"/>
+              </a:rPr>
+              <a:t> (</a:t>
+            </a:r>
+            <a:r>
+              <a:rPr sz="2200" strike="noStrike" spc="-5" dirty="0" smtClean="0">
+                <a:cs typeface="Arial MT"/>
+              </a:rPr>
+              <a:t>SD</a:t>
+            </a:r>
+            <a:r>
+              <a:rPr sz="2200" strike="noStrike" spc="-50" dirty="0" smtClean="0">
+                <a:cs typeface="Arial MT"/>
+              </a:rPr>
+              <a:t> </a:t>
+            </a:r>
+            <a:r>
               <a:rPr sz="2200" strike="noStrike" spc="-5" dirty="0">
                 <a:cs typeface="Arial MT"/>
               </a:rPr>
-              <a:t>SD</a:t>
-            </a:r>
-            <a:r>
-              <a:rPr sz="2200" strike="noStrike" spc="-50" dirty="0">
-                <a:cs typeface="Arial MT"/>
-              </a:rPr>
-              <a:t> </a:t>
-            </a:r>
-            <a:r>
-              <a:rPr sz="2200" strike="noStrike" spc="-5" dirty="0">
-                <a:cs typeface="Arial MT"/>
-              </a:rPr>
               <a:t>of</a:t>
             </a:r>
             <a:r>
@@ -38323,10 +38566,16 @@
               <a:t> </a:t>
             </a:r>
             <a:r>
-              <a:rPr sz="2200" i="1" strike="noStrike" dirty="0">
+              <a:rPr sz="2200" i="1" strike="noStrike" dirty="0" smtClean="0">
                 <a:cs typeface="Arial"/>
               </a:rPr>
               <a:t>y</a:t>
+            </a:r>
+            <a:r>
+              <a:rPr lang="en-US" sz="2200" i="1" strike="noStrike" dirty="0" smtClean="0">
+                <a:cs typeface="Arial"/>
+              </a:rPr>
+              <a:t>)</a:t>
             </a:r>
             <a:endParaRPr sz="2200" dirty="0">
               <a:cs typeface="Arial"/>
@@ -38441,6 +38690,13 @@
   <p:clrMapOvr>
     <a:masterClrMapping/>
   </p:clrMapOvr>
+  <p:timing>
+    <p:tnLst>
+      <p:par>
+        <p:cTn id="1" dur="indefinite" restart="never" nodeType="tmRoot"/>
+      </p:par>
+    </p:tnLst>
+  </p:timing>
 </p:sld>
 </file>
 
@@ -38680,7 +38936,7 @@
           <p:nvPr>
             <p:extLst>
               <p:ext uri="{D42A27DB-BD31-4B8C-83A1-F6EECF244321}">
-                <p14:modId xmlns:p14="http://schemas.microsoft.com/office/powerpoint/2010/main" val="1230319457"/>
+                <p14:modId xmlns:p14="http://schemas.microsoft.com/office/powerpoint/2010/main" val="3147956082"/>
               </p:ext>
             </p:extLst>
           </p:nvPr>
@@ -38737,56 +38993,13 @@
                           <a:tab pos="444500" algn="l"/>
                         </a:tabLst>
                       </a:pPr>
-                      <a:r>
-                        <a:rPr sz="2200" spc="-5" dirty="0">
-                          <a:solidFill>
-                            <a:schemeClr val="tx1"/>
-                          </a:solidFill>
-                          <a:latin typeface="+mn-lt"/>
-                          <a:cs typeface="Arial MT"/>
-                        </a:rPr>
-                        <a:t>SD</a:t>
-                      </a:r>
-                      <a:r>
-                        <a:rPr sz="2200" spc="-40" dirty="0">
-                          <a:solidFill>
-                            <a:schemeClr val="tx1"/>
-                          </a:solidFill>
-                          <a:latin typeface="+mn-lt"/>
-                          <a:cs typeface="Arial MT"/>
-                        </a:rPr>
-                        <a:t> </a:t>
-                      </a:r>
-                      <a:r>
-                        <a:rPr sz="2200" spc="-5" dirty="0">
-                          <a:solidFill>
-                            <a:schemeClr val="tx1"/>
-                          </a:solidFill>
-                          <a:latin typeface="+mn-lt"/>
-                          <a:cs typeface="Arial MT"/>
-                        </a:rPr>
-                        <a:t>of</a:t>
-                      </a:r>
-                      <a:r>
-                        <a:rPr sz="2200" spc="-20" dirty="0">
-                          <a:solidFill>
-                            <a:schemeClr val="tx1"/>
-                          </a:solidFill>
-                          <a:latin typeface="+mn-lt"/>
-                          <a:cs typeface="Arial MT"/>
-                        </a:rPr>
-                        <a:t> </a:t>
-                      </a:r>
-                      <a:r>
-                        <a:rPr sz="2200" dirty="0">
-                          <a:solidFill>
-                            <a:schemeClr val="tx1"/>
-                          </a:solidFill>
-                          <a:latin typeface="+mn-lt"/>
-                          <a:cs typeface="Arial MT"/>
-                        </a:rPr>
-                        <a:t>residuals</a:t>
-                      </a:r>
+                      <a:endParaRPr sz="2200" dirty="0">
+                        <a:solidFill>
+                          <a:schemeClr val="tx1"/>
+                        </a:solidFill>
+                        <a:latin typeface="+mn-lt"/>
+                        <a:cs typeface="Arial MT"/>
+                      </a:endParaRPr>
                     </a:p>
                   </a:txBody>
                   <a:tcPr marL="0" marR="0" marT="0" marB="0"/>
@@ -38801,16 +39014,13 @@
                           <a:spcPts val="2425"/>
                         </a:lnSpc>
                       </a:pPr>
-                      <a:r>
-                        <a:rPr sz="2200" dirty="0">
-                          <a:solidFill>
-                            <a:schemeClr val="tx1"/>
-                          </a:solidFill>
-                          <a:latin typeface="+mn-lt"/>
-                          <a:cs typeface="Arial MT"/>
-                        </a:rPr>
-                        <a:t>=</a:t>
-                      </a:r>
+                      <a:endParaRPr sz="2200" dirty="0">
+                        <a:solidFill>
+                          <a:schemeClr val="tx1"/>
+                        </a:solidFill>
+                        <a:latin typeface="+mn-lt"/>
+                        <a:cs typeface="Arial MT"/>
+                      </a:endParaRPr>
                     </a:p>
                   </a:txBody>
                   <a:tcPr marL="0" marR="0" marT="0" marB="0"/>
@@ -38825,146 +39035,6 @@
                           <a:spcPts val="2425"/>
                         </a:lnSpc>
                       </a:pPr>
-                      <a:r>
-                        <a:rPr sz="2200" spc="-5" dirty="0">
-                          <a:solidFill>
-                            <a:schemeClr val="tx1"/>
-                          </a:solidFill>
-                          <a:latin typeface="+mn-lt"/>
-                          <a:cs typeface="Arial MT"/>
-                        </a:rPr>
-                        <a:t>√(1</a:t>
-                      </a:r>
-                      <a:r>
-                        <a:rPr sz="2200" spc="-25" dirty="0">
-                          <a:solidFill>
-                            <a:schemeClr val="tx1"/>
-                          </a:solidFill>
-                          <a:latin typeface="+mn-lt"/>
-                          <a:cs typeface="Arial MT"/>
-                        </a:rPr>
-                        <a:t> </a:t>
-                      </a:r>
-                      <a:r>
-                        <a:rPr sz="2200" dirty="0">
-                          <a:solidFill>
-                            <a:schemeClr val="tx1"/>
-                          </a:solidFill>
-                          <a:latin typeface="+mn-lt"/>
-                          <a:cs typeface="Arial MT"/>
-                        </a:rPr>
-                        <a:t>-</a:t>
-                      </a:r>
-                      <a:r>
-                        <a:rPr sz="2200" spc="15" dirty="0">
-                          <a:solidFill>
-                            <a:schemeClr val="tx1"/>
-                          </a:solidFill>
-                          <a:latin typeface="+mn-lt"/>
-                          <a:cs typeface="Arial MT"/>
-                        </a:rPr>
-                        <a:t> </a:t>
-                      </a:r>
-                      <a:r>
-                        <a:rPr sz="2200" i="1" spc="-5" dirty="0">
-                          <a:solidFill>
-                            <a:schemeClr val="tx1"/>
-                          </a:solidFill>
-                          <a:latin typeface="+mn-lt"/>
-                          <a:cs typeface="Arial"/>
-                        </a:rPr>
-                        <a:t>r²</a:t>
-                      </a:r>
-                      <a:r>
-                        <a:rPr sz="2200" spc="-5" dirty="0">
-                          <a:solidFill>
-                            <a:schemeClr val="tx1"/>
-                          </a:solidFill>
-                          <a:latin typeface="+mn-lt"/>
-                          <a:cs typeface="Arial MT"/>
-                        </a:rPr>
-                        <a:t>)</a:t>
-                      </a:r>
-                      <a:r>
-                        <a:rPr sz="2200" spc="-15" dirty="0">
-                          <a:solidFill>
-                            <a:schemeClr val="tx1"/>
-                          </a:solidFill>
-                          <a:latin typeface="+mn-lt"/>
-                          <a:cs typeface="Arial MT"/>
-                        </a:rPr>
-                        <a:t> </a:t>
-                      </a:r>
-                      <a:r>
-                        <a:rPr sz="2200" dirty="0">
-                          <a:solidFill>
-                            <a:schemeClr val="tx1"/>
-                          </a:solidFill>
-                          <a:latin typeface="+mn-lt"/>
-                          <a:cs typeface="Arial MT"/>
-                        </a:rPr>
-                        <a:t>*</a:t>
-                      </a:r>
-                      <a:r>
-                        <a:rPr sz="2200" spc="-20" dirty="0">
-                          <a:solidFill>
-                            <a:schemeClr val="tx1"/>
-                          </a:solidFill>
-                          <a:latin typeface="+mn-lt"/>
-                          <a:cs typeface="Arial MT"/>
-                        </a:rPr>
-                        <a:t> </a:t>
-                      </a:r>
-                      <a:r>
-                        <a:rPr sz="2200" spc="-5" dirty="0">
-                          <a:solidFill>
-                            <a:schemeClr val="tx1"/>
-                          </a:solidFill>
-                          <a:latin typeface="+mn-lt"/>
-                          <a:cs typeface="Arial MT"/>
-                        </a:rPr>
-                        <a:t>SD</a:t>
-                      </a:r>
-                      <a:r>
-                        <a:rPr sz="2200" spc="-20" dirty="0">
-                          <a:solidFill>
-                            <a:schemeClr val="tx1"/>
-                          </a:solidFill>
-                          <a:latin typeface="+mn-lt"/>
-                          <a:cs typeface="Arial MT"/>
-                        </a:rPr>
-                        <a:t> </a:t>
-                      </a:r>
-                      <a:r>
-                        <a:rPr sz="2200" spc="-5" dirty="0">
-                          <a:solidFill>
-                            <a:schemeClr val="tx1"/>
-                          </a:solidFill>
-                          <a:latin typeface="+mn-lt"/>
-                          <a:cs typeface="Arial MT"/>
-                        </a:rPr>
-                        <a:t>of</a:t>
-                      </a:r>
-                      <a:r>
-                        <a:rPr sz="2200" dirty="0">
-                          <a:solidFill>
-                            <a:schemeClr val="tx1"/>
-                          </a:solidFill>
-                          <a:latin typeface="+mn-lt"/>
-                          <a:cs typeface="Arial MT"/>
-                        </a:rPr>
-                        <a:t> </a:t>
-                      </a:r>
-                      <a:r>
-                        <a:rPr sz="2200" i="1" dirty="0">
-                          <a:solidFill>
-                            <a:schemeClr val="tx1"/>
-                          </a:solidFill>
-                          <a:latin typeface="+mn-lt"/>
-                          <a:cs typeface="Arial"/>
-                        </a:rPr>
-                        <a:t>y</a:t>
-                      </a:r>
                       <a:endParaRPr sz="2200" dirty="0">
                         <a:solidFill>
                           <a:schemeClr val="tx1"/>
@@ -39003,7 +39073,7 @@
                           <a:spcPts val="50"/>
                         </a:spcBef>
                       </a:pPr>
-                      <a:endParaRPr sz="2650" dirty="0">
+                      <a:endParaRPr sz="2650" dirty="0" smtClean="0">
                         <a:latin typeface="+mn-lt"/>
                         <a:cs typeface="Times New Roman"/>
                       </a:endParaRPr>
@@ -39024,7 +39094,7 @@
                         </a:tabLst>
                       </a:pPr>
                       <a:r>
-                        <a:rPr sz="2200" spc="-5" dirty="0">
+                        <a:rPr sz="2200" spc="-5" dirty="0" smtClean="0">
                           <a:solidFill>
                             <a:schemeClr val="tx1"/>
                           </a:solidFill>
@@ -39034,7 +39104,7 @@
                         <a:t>SD</a:t>
                       </a:r>
                       <a:r>
-                        <a:rPr sz="2200" spc="-40" dirty="0">
+                        <a:rPr sz="2200" spc="-40" dirty="0" smtClean="0">
                           <a:solidFill>
                             <a:schemeClr val="tx1"/>
                           </a:solidFill>
@@ -39166,14 +39236,21 @@
                         <a:t> </a:t>
                       </a:r>
                       <a:r>
-                        <a:rPr sz="2200" spc="-5" dirty="0">
+                        <a:rPr lang="en-US" sz="2200" spc="-25" dirty="0" smtClean="0">
+                          <a:latin typeface="+mn-lt"/>
+                          <a:cs typeface="Arial MT"/>
+                        </a:rPr>
+                        <a:t>(</a:t>
+                      </a:r>
+                      <a:r>
+                        <a:rPr sz="2200" spc="-5" dirty="0" smtClean="0">
                           <a:latin typeface="+mn-lt"/>
                           <a:cs typeface="Arial MT"/>
                         </a:rPr>
                         <a:t>SD</a:t>
                       </a:r>
                       <a:r>
-                        <a:rPr sz="2200" spc="-30" dirty="0">
+                        <a:rPr sz="2200" spc="-30" dirty="0" smtClean="0">
                           <a:latin typeface="+mn-lt"/>
                           <a:cs typeface="Arial MT"/>
                         </a:rPr>
@@ -39194,11 +39271,18 @@
                         <a:t> </a:t>
                       </a:r>
                       <a:r>
-                        <a:rPr sz="2200" dirty="0">
+                        <a:rPr sz="2200" dirty="0" smtClean="0">
                           <a:latin typeface="+mn-lt"/>
                           <a:cs typeface="Arial MT"/>
                         </a:rPr>
                         <a:t>y</a:t>
+                      </a:r>
+                      <a:r>
+                        <a:rPr lang="en-US" sz="2200" dirty="0" smtClean="0">
+                          <a:latin typeface="+mn-lt"/>
+                          <a:cs typeface="Arial MT"/>
+                        </a:rPr>
+                        <a:t>)</a:t>
                       </a:r>
                       <a:endParaRPr lang="en-US" sz="2200" dirty="0">
                         <a:latin typeface="+mn-lt"/>
@@ -39258,6 +39342,13 @@
   <p:clrMapOvr>
     <a:masterClrMapping/>
   </p:clrMapOvr>
+  <p:timing>
+    <p:tnLst>
+      <p:par>
+        <p:cTn id="1" dur="indefinite" restart="never" nodeType="tmRoot"/>
+      </p:par>
+    </p:tnLst>
+  </p:timing>
 </p:sld>
 </file>
 
@@ -39818,6 +39909,13 @@
   <p:clrMapOvr>
     <a:masterClrMapping/>
   </p:clrMapOvr>
+  <p:timing>
+    <p:tnLst>
+      <p:par>
+        <p:cTn id="1" dur="indefinite" restart="never" nodeType="tmRoot"/>
+      </p:par>
+    </p:tnLst>
+  </p:timing>
 </p:sld>
 </file>
 
@@ -40460,6 +40558,13 @@
   <p:clrMapOvr>
     <a:masterClrMapping/>
   </p:clrMapOvr>
+  <p:timing>
+    <p:tnLst>
+      <p:par>
+        <p:cTn id="1" dur="indefinite" restart="never" nodeType="tmRoot"/>
+      </p:par>
+    </p:tnLst>
+  </p:timing>
 </p:sld>
 </file>
 
@@ -40534,6 +40639,13 @@
   <p:clrMapOvr>
     <a:masterClrMapping/>
   </p:clrMapOvr>
+  <p:timing>
+    <p:tnLst>
+      <p:par>
+        <p:cTn id="1" dur="indefinite" restart="never" nodeType="tmRoot"/>
+      </p:par>
+    </p:tnLst>
+  </p:timing>
 </p:sld>
 </file>
 
@@ -49558,6 +49670,13 @@
   <p:clrMapOvr>
     <a:masterClrMapping/>
   </p:clrMapOvr>
+  <p:timing>
+    <p:tnLst>
+      <p:par>
+        <p:cTn id="1" dur="indefinite" restart="never" nodeType="tmRoot"/>
+      </p:par>
+    </p:tnLst>
+  </p:timing>
 </p:sld>
 </file>
 
@@ -53866,6 +53985,13 @@
   <p:clrMapOvr>
     <a:masterClrMapping/>
   </p:clrMapOvr>
+  <p:timing>
+    <p:tnLst>
+      <p:par>
+        <p:cTn id="1" dur="indefinite" restart="never" nodeType="tmRoot"/>
+      </p:par>
+    </p:tnLst>
+  </p:timing>
 </p:sld>
 </file>
 

--- a/module9/9-slides.pptx
+++ b/module9/9-slides.pptx
@@ -7231,7 +7231,7 @@
           <a:p>
             <a:fld id="{1160EA64-D806-43AC-9DF2-F8C432F32B4C}" type="datetimeFigureOut">
               <a:rPr lang="en-US" smtClean="0"/>
-              <a:t>4/24/2023</a:t>
+              <a:t>4/28/2023</a:t>
             </a:fld>
             <a:endParaRPr lang="en-US" dirty="0"/>
           </a:p>
@@ -7410,7 +7410,7 @@
           <a:p>
             <a:fld id="{E9F9C37B-1D36-470B-8223-D6C91242EC14}" type="datetimeFigureOut">
               <a:rPr lang="en-US" smtClean="0"/>
-              <a:t>4/24/2023</a:t>
+              <a:t>4/28/2023</a:t>
             </a:fld>
             <a:endParaRPr lang="en-US" dirty="0"/>
           </a:p>
@@ -7591,7 +7591,7 @@
           <a:p>
             <a:fld id="{67C6F52A-A82B-47A2-A83A-8C4C91F2D59F}" type="datetimeFigureOut">
               <a:rPr lang="en-US" smtClean="0"/>
-              <a:t>4/24/2023</a:t>
+              <a:t>4/28/2023</a:t>
             </a:fld>
             <a:endParaRPr lang="en-US" dirty="0"/>
           </a:p>
@@ -8003,7 +8003,7 @@
           <a:p>
             <a:fld id="{1D8BD707-D9CF-40AE-B4C6-C98DA3205C09}" type="datetimeFigureOut">
               <a:rPr lang="en-US"/>
-              <a:t>4/24/2023</a:t>
+              <a:t>4/28/2023</a:t>
             </a:fld>
             <a:endParaRPr lang="en-US"/>
           </a:p>
@@ -8336,7 +8336,7 @@
           <a:p>
             <a:fld id="{1D8BD707-D9CF-40AE-B4C6-C98DA3205C09}" type="datetimeFigureOut">
               <a:rPr lang="en-US"/>
-              <a:t>4/24/2023</a:t>
+              <a:t>4/28/2023</a:t>
             </a:fld>
             <a:endParaRPr lang="en-US"/>
           </a:p>
@@ -8496,7 +8496,7 @@
           <a:p>
             <a:fld id="{F070A7B3-6521-4DCA-87E5-044747A908C1}" type="datetimeFigureOut">
               <a:rPr lang="en-US" smtClean="0"/>
-              <a:t>4/24/2023</a:t>
+              <a:t>4/28/2023</a:t>
             </a:fld>
             <a:endParaRPr lang="en-US" dirty="0"/>
           </a:p>
@@ -8819,7 +8819,7 @@
           <a:p>
             <a:fld id="{1160EA64-D806-43AC-9DF2-F8C432F32B4C}" type="datetimeFigureOut">
               <a:rPr lang="en-US" smtClean="0"/>
-              <a:t>4/24/2023</a:t>
+              <a:t>4/28/2023</a:t>
             </a:fld>
             <a:endParaRPr lang="en-US" dirty="0"/>
           </a:p>
@@ -9281,7 +9281,7 @@
           <a:p>
             <a:fld id="{AB134690-1557-4C89-A502-4959FE7FAD70}" type="datetimeFigureOut">
               <a:rPr lang="en-US" smtClean="0"/>
-              <a:t>4/24/2023</a:t>
+              <a:t>4/28/2023</a:t>
             </a:fld>
             <a:endParaRPr lang="en-US" dirty="0"/>
           </a:p>
@@ -9693,7 +9693,7 @@
           <a:p>
             <a:fld id="{1160EA64-D806-43AC-9DF2-F8C432F32B4C}" type="datetimeFigureOut">
               <a:rPr lang="en-US" smtClean="0"/>
-              <a:t>4/24/2023</a:t>
+              <a:t>4/28/2023</a:t>
             </a:fld>
             <a:endParaRPr lang="en-US" dirty="0"/>
           </a:p>
@@ -9813,7 +9813,7 @@
           <a:p>
             <a:fld id="{E1037C31-9E7A-4F99-8774-A0E530DE1A42}" type="datetimeFigureOut">
               <a:rPr lang="en-US" smtClean="0"/>
-              <a:t>4/24/2023</a:t>
+              <a:t>4/28/2023</a:t>
             </a:fld>
             <a:endParaRPr lang="en-US" dirty="0"/>
           </a:p>
@@ -9931,7 +9931,7 @@
           <a:p>
             <a:fld id="{C278504F-A551-4DE0-9316-4DCD1D8CC752}" type="datetimeFigureOut">
               <a:rPr lang="en-US" smtClean="0"/>
-              <a:t>4/24/2023</a:t>
+              <a:t>4/28/2023</a:t>
             </a:fld>
             <a:endParaRPr lang="en-US" dirty="0"/>
           </a:p>
@@ -10290,7 +10290,7 @@
           <a:p>
             <a:fld id="{D1BE4249-C0D0-4B06-8692-E8BB871AF643}" type="datetimeFigureOut">
               <a:rPr lang="en-US" smtClean="0"/>
-              <a:t>4/24/2023</a:t>
+              <a:t>4/28/2023</a:t>
             </a:fld>
             <a:endParaRPr lang="en-US" dirty="0"/>
           </a:p>
@@ -10798,7 +10798,7 @@
           <a:p>
             <a:fld id="{042B0DB6-F5C7-45FB-8CF3-31B45F9C2DAC}" type="datetimeFigureOut">
               <a:rPr lang="en-US" smtClean="0"/>
-              <a:t>4/24/2023</a:t>
+              <a:t>4/28/2023</a:t>
             </a:fld>
             <a:endParaRPr lang="en-US" dirty="0"/>
           </a:p>
@@ -11154,7 +11154,7 @@
           <a:p>
             <a:fld id="{1160EA64-D806-43AC-9DF2-F8C432F32B4C}" type="datetimeFigureOut">
               <a:rPr lang="en-US" smtClean="0"/>
-              <a:t>4/24/2023</a:t>
+              <a:t>4/28/2023</a:t>
             </a:fld>
             <a:endParaRPr lang="en-US" dirty="0"/>
           </a:p>
@@ -31041,11 +31041,11 @@
   <p:clrMapOvr>
     <a:masterClrMapping/>
   </p:clrMapOvr>
-  <mc:AlternateContent xmlns:mc="http://schemas.openxmlformats.org/markup-compatibility/2006">
-    <mc:Choice xmlns:p14="http://schemas.microsoft.com/office/powerpoint/2010/main" Requires="p14">
+  <mc:AlternateContent xmlns:mc="http://schemas.openxmlformats.org/markup-compatibility/2006" xmlns:p14="http://schemas.microsoft.com/office/powerpoint/2010/main">
+    <mc:Choice Requires="p14">
       <p:transition spd="slow" p14:dur="2000"/>
     </mc:Choice>
-    <mc:Fallback>
+    <mc:Fallback xmlns="">
       <p:transition spd="slow"/>
     </mc:Fallback>
   </mc:AlternateContent>
@@ -40720,6 +40720,13 @@
   <p:clrMapOvr>
     <a:masterClrMapping/>
   </p:clrMapOvr>
+  <p:timing>
+    <p:tnLst>
+      <p:par>
+        <p:cTn id="1" dur="indefinite" restart="never" nodeType="tmRoot"/>
+      </p:par>
+    </p:tnLst>
+  </p:timing>
 </p:sld>
 </file>
 
@@ -42130,7 +42137,7 @@
         <p:spPr>
           <a:xfrm>
             <a:off x="630818" y="1400533"/>
-            <a:ext cx="1817030" cy="2238433"/>
+            <a:ext cx="1817030" cy="2238498"/>
           </a:xfrm>
           <a:prstGeom prst="rect">
             <a:avLst/>
@@ -42193,13 +42200,19 @@
               <a:t> </a:t>
             </a:r>
             <a:r>
-              <a:rPr sz="2400" spc="-5" dirty="0">
+              <a:rPr lang="en-US" sz="2400" dirty="0" smtClean="0">
+                <a:cs typeface="Arial MT"/>
+              </a:rPr>
+              <a:t>normal </a:t>
+            </a:r>
+            <a:r>
+              <a:rPr sz="2400" spc="-5" dirty="0" smtClean="0">
                 <a:cs typeface="Arial MT"/>
               </a:rPr>
               <a:t>distribution </a:t>
             </a:r>
             <a:r>
-              <a:rPr sz="2400" dirty="0">
+              <a:rPr sz="2400" dirty="0" smtClean="0">
                 <a:cs typeface="Arial MT"/>
               </a:rPr>
               <a:t> </a:t>
@@ -42733,6 +42746,13 @@
   <p:clrMapOvr>
     <a:masterClrMapping/>
   </p:clrMapOvr>
+  <p:timing>
+    <p:tnLst>
+      <p:par>
+        <p:cTn id="1" dur="indefinite" restart="never" nodeType="tmRoot"/>
+      </p:par>
+    </p:tnLst>
+  </p:timing>
 </p:sld>
 </file>
 
@@ -43628,6 +43648,13 @@
   <p:clrMapOvr>
     <a:masterClrMapping/>
   </p:clrMapOvr>
+  <p:timing>
+    <p:tnLst>
+      <p:par>
+        <p:cTn id="1" dur="indefinite" restart="never" nodeType="tmRoot"/>
+      </p:par>
+    </p:tnLst>
+  </p:timing>
 </p:sld>
 </file>
 
@@ -43701,6 +43728,13 @@
   <p:clrMapOvr>
     <a:masterClrMapping/>
   </p:clrMapOvr>
+  <p:timing>
+    <p:tnLst>
+      <p:par>
+        <p:cTn id="1" dur="indefinite" restart="never" nodeType="tmRoot"/>
+      </p:par>
+    </p:tnLst>
+  </p:timing>
 </p:sld>
 </file>
 
@@ -44449,6 +44483,13 @@
   <p:clrMapOvr>
     <a:masterClrMapping/>
   </p:clrMapOvr>
+  <p:timing>
+    <p:tnLst>
+      <p:par>
+        <p:cTn id="1" dur="indefinite" restart="never" nodeType="tmRoot"/>
+      </p:par>
+    </p:tnLst>
+  </p:timing>
 </p:sld>
 </file>
 
@@ -45277,6 +45318,13 @@
   <p:clrMapOvr>
     <a:masterClrMapping/>
   </p:clrMapOvr>
+  <p:timing>
+    <p:tnLst>
+      <p:par>
+        <p:cTn id="1" dur="indefinite" restart="never" nodeType="tmRoot"/>
+      </p:par>
+    </p:tnLst>
+  </p:timing>
 </p:sld>
 </file>
 
@@ -46115,6 +46163,13 @@
   <p:clrMapOvr>
     <a:masterClrMapping/>
   </p:clrMapOvr>
+  <p:timing>
+    <p:tnLst>
+      <p:par>
+        <p:cTn id="1" dur="indefinite" restart="never" nodeType="tmRoot"/>
+      </p:par>
+    </p:tnLst>
+  </p:timing>
 </p:sld>
 </file>
 
@@ -46196,6 +46251,13 @@
   <p:clrMapOvr>
     <a:masterClrMapping/>
   </p:clrMapOvr>
+  <p:timing>
+    <p:tnLst>
+      <p:par>
+        <p:cTn id="1" dur="indefinite" restart="never" nodeType="tmRoot"/>
+      </p:par>
+    </p:tnLst>
+  </p:timing>
 </p:sld>
 </file>
 
@@ -46943,6 +47005,13 @@
   <p:clrMapOvr>
     <a:masterClrMapping/>
   </p:clrMapOvr>
+  <p:timing>
+    <p:tnLst>
+      <p:par>
+        <p:cTn id="1" dur="indefinite" restart="never" nodeType="tmRoot"/>
+      </p:par>
+    </p:tnLst>
+  </p:timing>
 </p:sld>
 </file>
 
@@ -48892,6 +48961,13 @@
   <p:clrMapOvr>
     <a:masterClrMapping/>
   </p:clrMapOvr>
+  <p:timing>
+    <p:tnLst>
+      <p:par>
+        <p:cTn id="1" dur="indefinite" restart="never" nodeType="tmRoot"/>
+      </p:par>
+    </p:tnLst>
+  </p:timing>
 </p:sld>
 </file>
 
@@ -50428,6 +50504,13 @@
   <p:clrMapOvr>
     <a:masterClrMapping/>
   </p:clrMapOvr>
+  <p:timing>
+    <p:tnLst>
+      <p:par>
+        <p:cTn id="1" dur="indefinite" restart="never" nodeType="tmRoot"/>
+      </p:par>
+    </p:tnLst>
+  </p:timing>
 </p:sld>
 </file>
 
@@ -50501,6 +50584,13 @@
   <p:clrMapOvr>
     <a:masterClrMapping/>
   </p:clrMapOvr>
+  <p:timing>
+    <p:tnLst>
+      <p:par>
+        <p:cTn id="1" dur="indefinite" restart="never" nodeType="tmRoot"/>
+      </p:par>
+    </p:tnLst>
+  </p:timing>
 </p:sld>
 </file>
 
@@ -51128,6 +51218,13 @@
   <p:clrMapOvr>
     <a:masterClrMapping/>
   </p:clrMapOvr>
+  <p:timing>
+    <p:tnLst>
+      <p:par>
+        <p:cTn id="1" dur="indefinite" restart="never" nodeType="tmRoot"/>
+      </p:par>
+    </p:tnLst>
+  </p:timing>
 </p:sld>
 </file>
 
@@ -51193,6 +51290,13 @@
   <p:clrMapOvr>
     <a:masterClrMapping/>
   </p:clrMapOvr>
+  <p:timing>
+    <p:tnLst>
+      <p:par>
+        <p:cTn id="1" dur="indefinite" restart="never" nodeType="tmRoot"/>
+      </p:par>
+    </p:tnLst>
+  </p:timing>
 </p:sld>
 </file>
 
@@ -52029,10 +52133,16 @@
               <a:t> </a:t>
             </a:r>
             <a:r>
-              <a:rPr sz="2400" spc="-5" dirty="0">
+              <a:rPr sz="2400" spc="-5" dirty="0" smtClean="0">
                 <a:cs typeface="Arial MT"/>
               </a:rPr>
               <a:t>Numeric</a:t>
+            </a:r>
+            <a:r>
+              <a:rPr lang="en-US" sz="2400" spc="-5" dirty="0" smtClean="0">
+                <a:cs typeface="Arial MT"/>
+              </a:rPr>
+              <a:t>al</a:t>
             </a:r>
             <a:endParaRPr sz="2400" dirty="0">
               <a:cs typeface="Arial MT"/>
@@ -52045,6 +52155,13 @@
   <p:clrMapOvr>
     <a:masterClrMapping/>
   </p:clrMapOvr>
+  <p:timing>
+    <p:tnLst>
+      <p:par>
+        <p:cTn id="1" dur="indefinite" restart="never" nodeType="tmRoot"/>
+      </p:par>
+    </p:tnLst>
+  </p:timing>
 </p:sld>
 </file>
 
@@ -52350,6 +52467,13 @@
   <p:clrMapOvr>
     <a:masterClrMapping/>
   </p:clrMapOvr>
+  <p:timing>
+    <p:tnLst>
+      <p:par>
+        <p:cTn id="1" dur="indefinite" restart="never" nodeType="tmRoot"/>
+      </p:par>
+    </p:tnLst>
+  </p:timing>
 </p:sld>
 </file>
 
@@ -52708,6 +52832,13 @@
   <p:clrMapOvr>
     <a:masterClrMapping/>
   </p:clrMapOvr>
+  <p:timing>
+    <p:tnLst>
+      <p:par>
+        <p:cTn id="1" dur="indefinite" restart="never" nodeType="tmRoot"/>
+      </p:par>
+    </p:tnLst>
+  </p:timing>
 </p:sld>
 </file>
 
@@ -52773,6 +52904,13 @@
   <p:clrMapOvr>
     <a:masterClrMapping/>
   </p:clrMapOvr>
+  <p:timing>
+    <p:tnLst>
+      <p:par>
+        <p:cTn id="1" dur="indefinite" restart="never" nodeType="tmRoot"/>
+      </p:par>
+    </p:tnLst>
+  </p:timing>
 </p:sld>
 </file>
 
@@ -52964,6 +53102,13 @@
   <p:clrMapOvr>
     <a:masterClrMapping/>
   </p:clrMapOvr>
+  <p:timing>
+    <p:tnLst>
+      <p:par>
+        <p:cTn id="1" dur="indefinite" restart="never" nodeType="tmRoot"/>
+      </p:par>
+    </p:tnLst>
+  </p:timing>
 </p:sld>
 </file>
 
@@ -53177,6 +53322,13 @@
   <p:clrMapOvr>
     <a:masterClrMapping/>
   </p:clrMapOvr>
+  <p:timing>
+    <p:tnLst>
+      <p:par>
+        <p:cTn id="1" dur="indefinite" restart="never" nodeType="tmRoot"/>
+      </p:par>
+    </p:tnLst>
+  </p:timing>
 </p:sld>
 </file>
 
@@ -54055,6 +54207,13 @@
   <p:clrMapOvr>
     <a:masterClrMapping/>
   </p:clrMapOvr>
+  <p:timing>
+    <p:tnLst>
+      <p:par>
+        <p:cTn id="1" dur="indefinite" restart="never" nodeType="tmRoot"/>
+      </p:par>
+    </p:tnLst>
+  </p:timing>
 </p:sld>
 </file>
 
